--- a/DOCS/tabs图片.pptx
+++ b/DOCS/tabs图片.pptx
@@ -5,7 +5,7 @@
     <p:sldMasterId id="2147483720" r:id="rId1"/>
   </p:sldMasterIdLst>
   <p:notesMasterIdLst>
-    <p:notesMasterId r:id="rId27"/>
+    <p:notesMasterId r:id="rId28"/>
   </p:notesMasterIdLst>
   <p:sldIdLst>
     <p:sldId id="283" r:id="rId2"/>
@@ -33,6 +33,7 @@
     <p:sldId id="273" r:id="rId24"/>
     <p:sldId id="277" r:id="rId25"/>
     <p:sldId id="280" r:id="rId26"/>
+    <p:sldId id="284" r:id="rId27"/>
   </p:sldIdLst>
   <p:sldSz cx="13931900" cy="10439400"/>
   <p:notesSz cx="6858000" cy="9144000"/>
@@ -232,7 +233,7 @@
           <a:p>
             <a:fld id="{08B624BB-4E1A-EA42-ACA5-8A0F4EFEAC87}" type="datetimeFigureOut">
               <a:rPr kumimoji="1" lang="zh-CN" altLang="en-US" smtClean="0"/>
-              <a:t>2018/10/13</a:t>
+              <a:t>2019/3/2</a:t>
             </a:fld>
             <a:endParaRPr kumimoji="1" lang="zh-CN" altLang="en-US"/>
           </a:p>
@@ -631,7 +632,7 @@
           <a:p>
             <a:fld id="{9FBB71AA-E7C7-BF47-AE27-A70B540A2CE3}" type="datetimeFigureOut">
               <a:rPr kumimoji="1" lang="zh-CN" altLang="en-US" smtClean="0"/>
-              <a:t>2018/10/13</a:t>
+              <a:t>2019/3/2</a:t>
             </a:fld>
             <a:endParaRPr kumimoji="1" lang="zh-CN" altLang="en-US"/>
           </a:p>
@@ -796,7 +797,7 @@
           <a:p>
             <a:fld id="{9FBB71AA-E7C7-BF47-AE27-A70B540A2CE3}" type="datetimeFigureOut">
               <a:rPr kumimoji="1" lang="zh-CN" altLang="en-US" smtClean="0"/>
-              <a:t>2018/10/13</a:t>
+              <a:t>2019/3/2</a:t>
             </a:fld>
             <a:endParaRPr kumimoji="1" lang="zh-CN" altLang="en-US"/>
           </a:p>
@@ -971,7 +972,7 @@
           <a:p>
             <a:fld id="{9FBB71AA-E7C7-BF47-AE27-A70B540A2CE3}" type="datetimeFigureOut">
               <a:rPr kumimoji="1" lang="zh-CN" altLang="en-US" smtClean="0"/>
-              <a:t>2018/10/13</a:t>
+              <a:t>2019/3/2</a:t>
             </a:fld>
             <a:endParaRPr kumimoji="1" lang="zh-CN" altLang="en-US"/>
           </a:p>
@@ -1136,7 +1137,7 @@
           <a:p>
             <a:fld id="{9FBB71AA-E7C7-BF47-AE27-A70B540A2CE3}" type="datetimeFigureOut">
               <a:rPr kumimoji="1" lang="zh-CN" altLang="en-US" smtClean="0"/>
-              <a:t>2018/10/13</a:t>
+              <a:t>2019/3/2</a:t>
             </a:fld>
             <a:endParaRPr kumimoji="1" lang="zh-CN" altLang="en-US"/>
           </a:p>
@@ -1375,7 +1376,7 @@
           <a:p>
             <a:fld id="{9FBB71AA-E7C7-BF47-AE27-A70B540A2CE3}" type="datetimeFigureOut">
               <a:rPr kumimoji="1" lang="zh-CN" altLang="en-US" smtClean="0"/>
-              <a:t>2018/10/13</a:t>
+              <a:t>2019/3/2</a:t>
             </a:fld>
             <a:endParaRPr kumimoji="1" lang="zh-CN" altLang="en-US"/>
           </a:p>
@@ -1602,7 +1603,7 @@
           <a:p>
             <a:fld id="{9FBB71AA-E7C7-BF47-AE27-A70B540A2CE3}" type="datetimeFigureOut">
               <a:rPr kumimoji="1" lang="zh-CN" altLang="en-US" smtClean="0"/>
-              <a:t>2018/10/13</a:t>
+              <a:t>2019/3/2</a:t>
             </a:fld>
             <a:endParaRPr kumimoji="1" lang="zh-CN" altLang="en-US"/>
           </a:p>
@@ -1964,7 +1965,7 @@
           <a:p>
             <a:fld id="{9FBB71AA-E7C7-BF47-AE27-A70B540A2CE3}" type="datetimeFigureOut">
               <a:rPr kumimoji="1" lang="zh-CN" altLang="en-US" smtClean="0"/>
-              <a:t>2018/10/13</a:t>
+              <a:t>2019/3/2</a:t>
             </a:fld>
             <a:endParaRPr kumimoji="1" lang="zh-CN" altLang="en-US"/>
           </a:p>
@@ -2077,7 +2078,7 @@
           <a:p>
             <a:fld id="{9FBB71AA-E7C7-BF47-AE27-A70B540A2CE3}" type="datetimeFigureOut">
               <a:rPr kumimoji="1" lang="zh-CN" altLang="en-US" smtClean="0"/>
-              <a:t>2018/10/13</a:t>
+              <a:t>2019/3/2</a:t>
             </a:fld>
             <a:endParaRPr kumimoji="1" lang="zh-CN" altLang="en-US"/>
           </a:p>
@@ -2167,7 +2168,7 @@
           <a:p>
             <a:fld id="{9FBB71AA-E7C7-BF47-AE27-A70B540A2CE3}" type="datetimeFigureOut">
               <a:rPr kumimoji="1" lang="zh-CN" altLang="en-US" smtClean="0"/>
-              <a:t>2018/10/13</a:t>
+              <a:t>2019/3/2</a:t>
             </a:fld>
             <a:endParaRPr kumimoji="1" lang="zh-CN" altLang="en-US"/>
           </a:p>
@@ -2439,7 +2440,7 @@
           <a:p>
             <a:fld id="{9FBB71AA-E7C7-BF47-AE27-A70B540A2CE3}" type="datetimeFigureOut">
               <a:rPr kumimoji="1" lang="zh-CN" altLang="en-US" smtClean="0"/>
-              <a:t>2018/10/13</a:t>
+              <a:t>2019/3/2</a:t>
             </a:fld>
             <a:endParaRPr kumimoji="1" lang="zh-CN" altLang="en-US"/>
           </a:p>
@@ -2691,7 +2692,7 @@
           <a:p>
             <a:fld id="{9FBB71AA-E7C7-BF47-AE27-A70B540A2CE3}" type="datetimeFigureOut">
               <a:rPr kumimoji="1" lang="zh-CN" altLang="en-US" smtClean="0"/>
-              <a:t>2018/10/13</a:t>
+              <a:t>2019/3/2</a:t>
             </a:fld>
             <a:endParaRPr kumimoji="1" lang="zh-CN" altLang="en-US"/>
           </a:p>
@@ -2899,7 +2900,7 @@
           <a:p>
             <a:fld id="{9FBB71AA-E7C7-BF47-AE27-A70B540A2CE3}" type="datetimeFigureOut">
               <a:rPr kumimoji="1" lang="zh-CN" altLang="en-US" smtClean="0"/>
-              <a:t>2018/10/13</a:t>
+              <a:t>2019/3/2</a:t>
             </a:fld>
             <a:endParaRPr kumimoji="1" lang="zh-CN" altLang="en-US"/>
           </a:p>
@@ -4749,6 +4750,66 @@
     <p:extLst>
       <p:ext uri="{BB962C8B-B14F-4D97-AF65-F5344CB8AC3E}">
         <p14:creationId xmlns:p14="http://schemas.microsoft.com/office/powerpoint/2010/main" val="983792396"/>
+      </p:ext>
+    </p:extLst>
+  </p:cSld>
+  <p:clrMapOvr>
+    <a:masterClrMapping/>
+  </p:clrMapOvr>
+</p:sld>
+</file>
+
+<file path=ppt/slides/slide26.xml><?xml version="1.0" encoding="utf-8"?>
+<p:sld xmlns:a="http://schemas.openxmlformats.org/drawingml/2006/main" xmlns:r="http://schemas.openxmlformats.org/officeDocument/2006/relationships" xmlns:p="http://schemas.openxmlformats.org/presentationml/2006/main">
+  <p:cSld>
+    <p:spTree>
+      <p:nvGrpSpPr>
+        <p:cNvPr id="1" name=""/>
+        <p:cNvGrpSpPr/>
+        <p:nvPr/>
+      </p:nvGrpSpPr>
+      <p:grpSpPr>
+        <a:xfrm>
+          <a:off x="0" y="0"/>
+          <a:ext cx="0" cy="0"/>
+          <a:chOff x="0" y="0"/>
+          <a:chExt cx="0" cy="0"/>
+        </a:xfrm>
+      </p:grpSpPr>
+      <p:pic>
+        <p:nvPicPr>
+          <p:cNvPr id="2" name="图片 1"/>
+          <p:cNvPicPr>
+            <a:picLocks noChangeAspect="1"/>
+          </p:cNvPicPr>
+          <p:nvPr/>
+        </p:nvPicPr>
+        <p:blipFill>
+          <a:blip r:embed="rId2">
+            <a:extLst>
+              <a:ext uri="{28A0092B-C50C-407E-A947-70E740481C1C}">
+                <a14:useLocalDpi xmlns:a14="http://schemas.microsoft.com/office/drawing/2010/main" val="0"/>
+              </a:ext>
+            </a:extLst>
+          </a:blip>
+          <a:stretch>
+            <a:fillRect/>
+          </a:stretch>
+        </p:blipFill>
+        <p:spPr>
+          <a:xfrm>
+            <a:off x="3542489" y="3113064"/>
+            <a:ext cx="6934200" cy="3987165"/>
+          </a:xfrm>
+          <a:prstGeom prst="rect">
+            <a:avLst/>
+          </a:prstGeom>
+        </p:spPr>
+      </p:pic>
+    </p:spTree>
+    <p:extLst>
+      <p:ext uri="{BB962C8B-B14F-4D97-AF65-F5344CB8AC3E}">
+        <p14:creationId xmlns:p14="http://schemas.microsoft.com/office/powerpoint/2010/main" val="1757551544"/>
       </p:ext>
     </p:extLst>
   </p:cSld>

--- a/DOCS/tabs图片.pptx
+++ b/DOCS/tabs图片.pptx
@@ -5,7 +5,7 @@
     <p:sldMasterId id="2147483720" r:id="rId1"/>
   </p:sldMasterIdLst>
   <p:notesMasterIdLst>
-    <p:notesMasterId r:id="rId28"/>
+    <p:notesMasterId r:id="rId30"/>
   </p:notesMasterIdLst>
   <p:sldIdLst>
     <p:sldId id="283" r:id="rId2"/>
@@ -34,6 +34,8 @@
     <p:sldId id="277" r:id="rId25"/>
     <p:sldId id="280" r:id="rId26"/>
     <p:sldId id="284" r:id="rId27"/>
+    <p:sldId id="285" r:id="rId28"/>
+    <p:sldId id="286" r:id="rId29"/>
   </p:sldIdLst>
   <p:sldSz cx="13931900" cy="10439400"/>
   <p:notesSz cx="6858000" cy="9144000"/>
@@ -233,7 +235,7 @@
           <a:p>
             <a:fld id="{08B624BB-4E1A-EA42-ACA5-8A0F4EFEAC87}" type="datetimeFigureOut">
               <a:rPr kumimoji="1" lang="zh-CN" altLang="en-US" smtClean="0"/>
-              <a:t>2019/3/2</a:t>
+              <a:t>2019/11/2</a:t>
             </a:fld>
             <a:endParaRPr kumimoji="1" lang="zh-CN" altLang="en-US"/>
           </a:p>
@@ -632,7 +634,7 @@
           <a:p>
             <a:fld id="{9FBB71AA-E7C7-BF47-AE27-A70B540A2CE3}" type="datetimeFigureOut">
               <a:rPr kumimoji="1" lang="zh-CN" altLang="en-US" smtClean="0"/>
-              <a:t>2019/3/2</a:t>
+              <a:t>2019/11/2</a:t>
             </a:fld>
             <a:endParaRPr kumimoji="1" lang="zh-CN" altLang="en-US"/>
           </a:p>
@@ -797,7 +799,7 @@
           <a:p>
             <a:fld id="{9FBB71AA-E7C7-BF47-AE27-A70B540A2CE3}" type="datetimeFigureOut">
               <a:rPr kumimoji="1" lang="zh-CN" altLang="en-US" smtClean="0"/>
-              <a:t>2019/3/2</a:t>
+              <a:t>2019/11/2</a:t>
             </a:fld>
             <a:endParaRPr kumimoji="1" lang="zh-CN" altLang="en-US"/>
           </a:p>
@@ -972,7 +974,7 @@
           <a:p>
             <a:fld id="{9FBB71AA-E7C7-BF47-AE27-A70B540A2CE3}" type="datetimeFigureOut">
               <a:rPr kumimoji="1" lang="zh-CN" altLang="en-US" smtClean="0"/>
-              <a:t>2019/3/2</a:t>
+              <a:t>2019/11/2</a:t>
             </a:fld>
             <a:endParaRPr kumimoji="1" lang="zh-CN" altLang="en-US"/>
           </a:p>
@@ -1137,7 +1139,7 @@
           <a:p>
             <a:fld id="{9FBB71AA-E7C7-BF47-AE27-A70B540A2CE3}" type="datetimeFigureOut">
               <a:rPr kumimoji="1" lang="zh-CN" altLang="en-US" smtClean="0"/>
-              <a:t>2019/3/2</a:t>
+              <a:t>2019/11/2</a:t>
             </a:fld>
             <a:endParaRPr kumimoji="1" lang="zh-CN" altLang="en-US"/>
           </a:p>
@@ -1376,7 +1378,7 @@
           <a:p>
             <a:fld id="{9FBB71AA-E7C7-BF47-AE27-A70B540A2CE3}" type="datetimeFigureOut">
               <a:rPr kumimoji="1" lang="zh-CN" altLang="en-US" smtClean="0"/>
-              <a:t>2019/3/2</a:t>
+              <a:t>2019/11/2</a:t>
             </a:fld>
             <a:endParaRPr kumimoji="1" lang="zh-CN" altLang="en-US"/>
           </a:p>
@@ -1603,7 +1605,7 @@
           <a:p>
             <a:fld id="{9FBB71AA-E7C7-BF47-AE27-A70B540A2CE3}" type="datetimeFigureOut">
               <a:rPr kumimoji="1" lang="zh-CN" altLang="en-US" smtClean="0"/>
-              <a:t>2019/3/2</a:t>
+              <a:t>2019/11/2</a:t>
             </a:fld>
             <a:endParaRPr kumimoji="1" lang="zh-CN" altLang="en-US"/>
           </a:p>
@@ -1965,7 +1967,7 @@
           <a:p>
             <a:fld id="{9FBB71AA-E7C7-BF47-AE27-A70B540A2CE3}" type="datetimeFigureOut">
               <a:rPr kumimoji="1" lang="zh-CN" altLang="en-US" smtClean="0"/>
-              <a:t>2019/3/2</a:t>
+              <a:t>2019/11/2</a:t>
             </a:fld>
             <a:endParaRPr kumimoji="1" lang="zh-CN" altLang="en-US"/>
           </a:p>
@@ -2078,7 +2080,7 @@
           <a:p>
             <a:fld id="{9FBB71AA-E7C7-BF47-AE27-A70B540A2CE3}" type="datetimeFigureOut">
               <a:rPr kumimoji="1" lang="zh-CN" altLang="en-US" smtClean="0"/>
-              <a:t>2019/3/2</a:t>
+              <a:t>2019/11/2</a:t>
             </a:fld>
             <a:endParaRPr kumimoji="1" lang="zh-CN" altLang="en-US"/>
           </a:p>
@@ -2168,7 +2170,7 @@
           <a:p>
             <a:fld id="{9FBB71AA-E7C7-BF47-AE27-A70B540A2CE3}" type="datetimeFigureOut">
               <a:rPr kumimoji="1" lang="zh-CN" altLang="en-US" smtClean="0"/>
-              <a:t>2019/3/2</a:t>
+              <a:t>2019/11/2</a:t>
             </a:fld>
             <a:endParaRPr kumimoji="1" lang="zh-CN" altLang="en-US"/>
           </a:p>
@@ -2440,7 +2442,7 @@
           <a:p>
             <a:fld id="{9FBB71AA-E7C7-BF47-AE27-A70B540A2CE3}" type="datetimeFigureOut">
               <a:rPr kumimoji="1" lang="zh-CN" altLang="en-US" smtClean="0"/>
-              <a:t>2019/3/2</a:t>
+              <a:t>2019/11/2</a:t>
             </a:fld>
             <a:endParaRPr kumimoji="1" lang="zh-CN" altLang="en-US"/>
           </a:p>
@@ -2692,7 +2694,7 @@
           <a:p>
             <a:fld id="{9FBB71AA-E7C7-BF47-AE27-A70B540A2CE3}" type="datetimeFigureOut">
               <a:rPr kumimoji="1" lang="zh-CN" altLang="en-US" smtClean="0"/>
-              <a:t>2019/3/2</a:t>
+              <a:t>2019/11/2</a:t>
             </a:fld>
             <a:endParaRPr kumimoji="1" lang="zh-CN" altLang="en-US"/>
           </a:p>
@@ -2900,7 +2902,7 @@
           <a:p>
             <a:fld id="{9FBB71AA-E7C7-BF47-AE27-A70B540A2CE3}" type="datetimeFigureOut">
               <a:rPr kumimoji="1" lang="zh-CN" altLang="en-US" smtClean="0"/>
-              <a:t>2019/3/2</a:t>
+              <a:t>2019/11/2</a:t>
             </a:fld>
             <a:endParaRPr kumimoji="1" lang="zh-CN" altLang="en-US"/>
           </a:p>
@@ -4810,6 +4812,204 @@
     <p:extLst>
       <p:ext uri="{BB962C8B-B14F-4D97-AF65-F5344CB8AC3E}">
         <p14:creationId xmlns:p14="http://schemas.microsoft.com/office/powerpoint/2010/main" val="1757551544"/>
+      </p:ext>
+    </p:extLst>
+  </p:cSld>
+  <p:clrMapOvr>
+    <a:masterClrMapping/>
+  </p:clrMapOvr>
+</p:sld>
+</file>
+
+<file path=ppt/slides/slide27.xml><?xml version="1.0" encoding="utf-8"?>
+<p:sld xmlns:a="http://schemas.openxmlformats.org/drawingml/2006/main" xmlns:r="http://schemas.openxmlformats.org/officeDocument/2006/relationships" xmlns:p="http://schemas.openxmlformats.org/presentationml/2006/main">
+  <p:cSld>
+    <p:bg>
+      <p:bgPr>
+        <a:solidFill>
+          <a:schemeClr val="accent1">
+            <a:lumMod val="75000"/>
+          </a:schemeClr>
+        </a:solidFill>
+        <a:effectLst/>
+      </p:bgPr>
+    </p:bg>
+    <p:spTree>
+      <p:nvGrpSpPr>
+        <p:cNvPr id="1" name=""/>
+        <p:cNvGrpSpPr/>
+        <p:nvPr/>
+      </p:nvGrpSpPr>
+      <p:grpSpPr>
+        <a:xfrm>
+          <a:off x="0" y="0"/>
+          <a:ext cx="0" cy="0"/>
+          <a:chOff x="0" y="0"/>
+          <a:chExt cx="0" cy="0"/>
+        </a:xfrm>
+      </p:grpSpPr>
+      <p:sp>
+        <p:nvSpPr>
+          <p:cNvPr id="5" name="文本框 4"/>
+          <p:cNvSpPr txBox="1"/>
+          <p:nvPr/>
+        </p:nvSpPr>
+        <p:spPr>
+          <a:xfrm>
+            <a:off x="3524250" y="3878133"/>
+            <a:ext cx="6115050" cy="2215991"/>
+          </a:xfrm>
+          <a:prstGeom prst="rect">
+            <a:avLst/>
+          </a:prstGeom>
+          <a:noFill/>
+        </p:spPr>
+        <p:txBody>
+          <a:bodyPr wrap="square" rtlCol="0">
+            <a:spAutoFit/>
+          </a:bodyPr>
+          <a:lstStyle/>
+          <a:p>
+            <a:r>
+              <a:rPr lang="en-US" altLang="zh-CN" sz="13800" smtClean="0">
+                <a:solidFill>
+                  <a:schemeClr val="bg1"/>
+                </a:solidFill>
+                <a:latin typeface="Noto Sans PhagsPa" charset="-128"/>
+                <a:ea typeface="Noto Sans PhagsPa" charset="-128"/>
+                <a:cs typeface="Noto Sans PhagsPa" charset="-128"/>
+              </a:rPr>
+              <a:t>Torrentz</a:t>
+            </a:r>
+            <a:endParaRPr kumimoji="1" lang="zh-CN" altLang="en-US" sz="13800" dirty="0">
+              <a:solidFill>
+                <a:schemeClr val="accent1">
+                  <a:lumMod val="60000"/>
+                  <a:lumOff val="40000"/>
+                </a:schemeClr>
+              </a:solidFill>
+              <a:latin typeface="Noto Sans PhagsPa" charset="-128"/>
+              <a:ea typeface="Noto Sans PhagsPa" charset="-128"/>
+              <a:cs typeface="Noto Sans PhagsPa" charset="-128"/>
+            </a:endParaRPr>
+          </a:p>
+        </p:txBody>
+      </p:sp>
+      <p:sp>
+        <p:nvSpPr>
+          <p:cNvPr id="6" name="文本框 5"/>
+          <p:cNvSpPr txBox="1"/>
+          <p:nvPr/>
+        </p:nvSpPr>
+        <p:spPr>
+          <a:xfrm>
+            <a:off x="9414458" y="3878261"/>
+            <a:ext cx="1228640" cy="2215863"/>
+          </a:xfrm>
+          <a:prstGeom prst="rect">
+            <a:avLst/>
+          </a:prstGeom>
+          <a:noFill/>
+        </p:spPr>
+        <p:txBody>
+          <a:bodyPr wrap="square" rtlCol="0">
+            <a:spAutoFit/>
+          </a:bodyPr>
+          <a:lstStyle/>
+          <a:p>
+            <a:r>
+              <a:rPr lang="en-US" altLang="zh-CN" sz="11500" dirty="0">
+                <a:solidFill>
+                  <a:schemeClr val="accent1">
+                    <a:lumMod val="60000"/>
+                    <a:lumOff val="40000"/>
+                  </a:schemeClr>
+                </a:solidFill>
+                <a:latin typeface="Noto Sans PhagsPa" charset="-128"/>
+                <a:ea typeface="Noto Sans PhagsPa" charset="-128"/>
+                <a:cs typeface="Noto Sans PhagsPa" charset="-128"/>
+              </a:rPr>
+              <a:t>2</a:t>
+            </a:r>
+            <a:endParaRPr kumimoji="1" lang="zh-CN" altLang="en-US" sz="11500" dirty="0">
+              <a:solidFill>
+                <a:schemeClr val="accent1">
+                  <a:lumMod val="60000"/>
+                  <a:lumOff val="40000"/>
+                </a:schemeClr>
+              </a:solidFill>
+              <a:latin typeface="Noto Sans PhagsPa" charset="-128"/>
+              <a:ea typeface="Noto Sans PhagsPa" charset="-128"/>
+              <a:cs typeface="Noto Sans PhagsPa" charset="-128"/>
+            </a:endParaRPr>
+          </a:p>
+          <a:p>
+            <a:endParaRPr kumimoji="1" lang="zh-CN" altLang="en-US" sz="2400" dirty="0">
+              <a:latin typeface="Noto Sans PhagsPa" charset="-128"/>
+              <a:ea typeface="Noto Sans PhagsPa" charset="-128"/>
+              <a:cs typeface="Noto Sans PhagsPa" charset="-128"/>
+            </a:endParaRPr>
+          </a:p>
+        </p:txBody>
+      </p:sp>
+    </p:spTree>
+    <p:extLst>
+      <p:ext uri="{BB962C8B-B14F-4D97-AF65-F5344CB8AC3E}">
+        <p14:creationId xmlns:p14="http://schemas.microsoft.com/office/powerpoint/2010/main" val="340154682"/>
+      </p:ext>
+    </p:extLst>
+  </p:cSld>
+  <p:clrMapOvr>
+    <a:masterClrMapping/>
+  </p:clrMapOvr>
+</p:sld>
+</file>
+
+<file path=ppt/slides/slide28.xml><?xml version="1.0" encoding="utf-8"?>
+<p:sld xmlns:a="http://schemas.openxmlformats.org/drawingml/2006/main" xmlns:r="http://schemas.openxmlformats.org/officeDocument/2006/relationships" xmlns:p="http://schemas.openxmlformats.org/presentationml/2006/main">
+  <p:cSld>
+    <p:spTree>
+      <p:nvGrpSpPr>
+        <p:cNvPr id="1" name=""/>
+        <p:cNvGrpSpPr/>
+        <p:nvPr/>
+      </p:nvGrpSpPr>
+      <p:grpSpPr>
+        <a:xfrm>
+          <a:off x="0" y="0"/>
+          <a:ext cx="0" cy="0"/>
+          <a:chOff x="0" y="0"/>
+          <a:chExt cx="0" cy="0"/>
+        </a:xfrm>
+      </p:grpSpPr>
+      <p:pic>
+        <p:nvPicPr>
+          <p:cNvPr id="4" name="图片 3"/>
+          <p:cNvPicPr>
+            <a:picLocks noChangeAspect="1"/>
+          </p:cNvPicPr>
+          <p:nvPr/>
+        </p:nvPicPr>
+        <p:blipFill>
+          <a:blip r:embed="rId2"/>
+          <a:stretch>
+            <a:fillRect/>
+          </a:stretch>
+        </p:blipFill>
+        <p:spPr>
+          <a:xfrm>
+            <a:off x="4273550" y="4286250"/>
+            <a:ext cx="5765800" cy="1409700"/>
+          </a:xfrm>
+          <a:prstGeom prst="rect">
+            <a:avLst/>
+          </a:prstGeom>
+        </p:spPr>
+      </p:pic>
+    </p:spTree>
+    <p:extLst>
+      <p:ext uri="{BB962C8B-B14F-4D97-AF65-F5344CB8AC3E}">
+        <p14:creationId xmlns:p14="http://schemas.microsoft.com/office/powerpoint/2010/main" val="1451501114"/>
       </p:ext>
     </p:extLst>
   </p:cSld>
